--- a/DOCS/FOREX TRENDS.pptx
+++ b/DOCS/FOREX TRENDS.pptx
@@ -11685,6 +11685,73 @@
           </p:txBody>
         </p:sp>
       </p:grpSp>
+      <p:sp>
+        <p:nvSpPr>
+          <p:cNvPr id="103" name="Google Shape;103;p13"/>
+          <p:cNvSpPr txBox="1"/>
+          <p:nvPr/>
+        </p:nvSpPr>
+        <p:spPr>
+          <a:xfrm>
+            <a:off x="13146200" y="7224300"/>
+            <a:ext cx="3000000" cy="369300"/>
+          </a:xfrm>
+          <a:prstGeom prst="rect">
+            <a:avLst/>
+          </a:prstGeom>
+          <a:noFill/>
+          <a:ln>
+            <a:noFill/>
+          </a:ln>
+        </p:spPr>
+        <p:txBody>
+          <a:bodyPr anchorCtr="0" anchor="t" bIns="91425" lIns="91425" spcFirstLastPara="1" rIns="91425" wrap="square" tIns="91425">
+            <a:spAutoFit/>
+          </a:bodyPr>
+          <a:lstStyle/>
+          <a:p>
+            <a:pPr indent="0" lvl="0" marL="0" rtl="0" algn="l">
+              <a:spcBef>
+                <a:spcPts val="0"/>
+              </a:spcBef>
+              <a:spcAft>
+                <a:spcPts val="0"/>
+              </a:spcAft>
+              <a:buNone/>
+            </a:pPr>
+            <a:r>
+              <a:rPr lang="en-US" sz="1100">
+                <a:solidFill>
+                  <a:schemeClr val="dk1"/>
+                </a:solidFill>
+                <a:highlight>
+                  <a:srgbClr val="FFFFFF"/>
+                </a:highlight>
+              </a:rPr>
+              <a:t>Demo Link: </a:t>
+            </a:r>
+            <a:r>
+              <a:rPr lang="en-US" sz="1200" u="sng">
+                <a:solidFill>
+                  <a:srgbClr val="0068C9"/>
+                </a:solidFill>
+                <a:highlight>
+                  <a:srgbClr val="FFFFFF"/>
+                </a:highlight>
+                <a:hlinkClick r:id="rId10">
+                  <a:extLst>
+                    <a:ext uri="{A12FA001-AC4F-418D-AE19-62706E023703}">
+                      <ahyp:hlinkClr val="tx"/>
+                    </a:ext>
+                  </a:extLst>
+                </a:hlinkClick>
+              </a:rPr>
+              <a:t>http://13.232.58.176:8002/</a:t>
+            </a:r>
+            <a:endParaRPr/>
+          </a:p>
+        </p:txBody>
+      </p:sp>
     </p:spTree>
   </p:cSld>
   <p:clrMapOvr>
